--- a/Presentation for 450.pptx
+++ b/Presentation for 450.pptx
@@ -113,7 +113,16 @@
       </a:defRPr>
     </a:lvl9pPr>
   </p:defaultTextStyle>
+  <p:extLst>
+    <p:ext uri="{EFAFB233-063F-42B5-8137-9DF3F51BA10A}">
+      <p15:sldGuideLst xmlns:p15="http://schemas.microsoft.com/office/powerpoint/2012/main"/>
+    </p:ext>
+  </p:extLst>
 </p:presentation>
+</file>
+
+<file path=ppt/revisionInfo.xml><?xml version="1.0" encoding="utf-8"?>
+<p1510:revInfo xmlns:a="http://schemas.openxmlformats.org/drawingml/2006/main" xmlns:r="http://schemas.openxmlformats.org/officeDocument/2006/relationships" xmlns:p1510="http://schemas.microsoft.com/office/powerpoint/2015/10/main"/>
 </file>
 
 <file path=ppt/slideLayouts/slideLayout1.xml><?xml version="1.0" encoding="utf-8"?>
@@ -694,7 +703,7 @@
           </a:lstStyle>
           <a:p>
             <a:r>
-              <a:rPr lang="en-US" smtClean="0"/>
+              <a:rPr lang="en-US"/>
               <a:t>Click to edit Master title style</a:t>
             </a:r>
             <a:endParaRPr lang="en-US" dirty="0"/>
@@ -814,7 +823,7 @@
           </a:lstStyle>
           <a:p>
             <a:r>
-              <a:rPr lang="en-US" smtClean="0"/>
+              <a:rPr lang="en-US"/>
               <a:t>Click to edit Master subtitle style</a:t>
             </a:r>
             <a:endParaRPr lang="en-US" dirty="0"/>
@@ -943,7 +952,7 @@
           </a:lstStyle>
           <a:p>
             <a:r>
-              <a:rPr lang="en-US" smtClean="0"/>
+              <a:rPr lang="en-US"/>
               <a:t>Click to edit Master title style</a:t>
             </a:r>
             <a:endParaRPr lang="en-US" dirty="0"/>
@@ -1066,7 +1075,7 @@
           <a:p>
             <a:pPr lvl="0"/>
             <a:r>
-              <a:rPr lang="en-US" smtClean="0"/>
+              <a:rPr lang="en-US"/>
               <a:t>Click to edit Master text styles</a:t>
             </a:r>
           </a:p>
@@ -1194,7 +1203,7 @@
           </a:lstStyle>
           <a:p>
             <a:r>
-              <a:rPr lang="en-US" smtClean="0"/>
+              <a:rPr lang="en-US"/>
               <a:t>Click to edit Master title style</a:t>
             </a:r>
             <a:endParaRPr lang="en-US" dirty="0"/>
@@ -1258,7 +1267,7 @@
           <a:p>
             <a:pPr lvl="0"/>
             <a:r>
-              <a:rPr lang="en-US" smtClean="0"/>
+              <a:rPr lang="en-US"/>
               <a:t>Click to edit Master text styles</a:t>
             </a:r>
           </a:p>
@@ -1380,7 +1389,7 @@
           <a:p>
             <a:pPr lvl="0"/>
             <a:r>
-              <a:rPr lang="en-US" smtClean="0"/>
+              <a:rPr lang="en-US"/>
               <a:t>Click to edit Master text styles</a:t>
             </a:r>
           </a:p>
@@ -1598,7 +1607,7 @@
           </a:lstStyle>
           <a:p>
             <a:r>
-              <a:rPr lang="en-US" smtClean="0"/>
+              <a:rPr lang="en-US"/>
               <a:t>Click to edit Master title style</a:t>
             </a:r>
             <a:endParaRPr lang="en-US" dirty="0"/>
@@ -1721,7 +1730,7 @@
           <a:p>
             <a:pPr lvl="0"/>
             <a:r>
-              <a:rPr lang="en-US" smtClean="0"/>
+              <a:rPr lang="en-US"/>
               <a:t>Click to edit Master text styles</a:t>
             </a:r>
           </a:p>
@@ -1849,7 +1858,7 @@
           </a:lstStyle>
           <a:p>
             <a:r>
-              <a:rPr lang="en-US" smtClean="0"/>
+              <a:rPr lang="en-US"/>
               <a:t>Click to edit Master title style</a:t>
             </a:r>
             <a:endParaRPr lang="en-US" dirty="0"/>
@@ -1913,7 +1922,7 @@
           <a:p>
             <a:pPr lvl="0"/>
             <a:r>
-              <a:rPr lang="en-US" smtClean="0"/>
+              <a:rPr lang="en-US"/>
               <a:t>Click to edit Master text styles</a:t>
             </a:r>
           </a:p>
@@ -2035,7 +2044,7 @@
           <a:p>
             <a:pPr lvl="0"/>
             <a:r>
-              <a:rPr lang="en-US" smtClean="0"/>
+              <a:rPr lang="en-US"/>
               <a:t>Click to edit Master text styles</a:t>
             </a:r>
           </a:p>
@@ -2245,7 +2254,7 @@
           </a:lstStyle>
           <a:p>
             <a:r>
-              <a:rPr lang="en-US" smtClean="0"/>
+              <a:rPr lang="en-US"/>
               <a:t>Click to edit Master title style</a:t>
             </a:r>
             <a:endParaRPr lang="en-US" dirty="0"/>
@@ -2306,7 +2315,7 @@
           <a:p>
             <a:pPr lvl="0"/>
             <a:r>
-              <a:rPr lang="en-US" smtClean="0"/>
+              <a:rPr lang="en-US"/>
               <a:t>Click to edit Master text styles</a:t>
             </a:r>
           </a:p>
@@ -2428,7 +2437,7 @@
           <a:p>
             <a:pPr lvl="0"/>
             <a:r>
-              <a:rPr lang="en-US" smtClean="0"/>
+              <a:rPr lang="en-US"/>
               <a:t>Click to edit Master text styles</a:t>
             </a:r>
           </a:p>
@@ -2545,7 +2554,7 @@
           <a:lstStyle/>
           <a:p>
             <a:r>
-              <a:rPr lang="en-US" smtClean="0"/>
+              <a:rPr lang="en-US"/>
               <a:t>Click to edit Master title style</a:t>
             </a:r>
             <a:endParaRPr lang="en-US" dirty="0"/>
@@ -2569,35 +2578,35 @@
           <a:p>
             <a:pPr lvl="0"/>
             <a:r>
-              <a:rPr lang="en-US" smtClean="0"/>
+              <a:rPr lang="en-US"/>
               <a:t>Click to edit Master text styles</a:t>
             </a:r>
           </a:p>
           <a:p>
             <a:pPr lvl="1"/>
             <a:r>
-              <a:rPr lang="en-US" smtClean="0"/>
+              <a:rPr lang="en-US"/>
               <a:t>Second level</a:t>
             </a:r>
           </a:p>
           <a:p>
             <a:pPr lvl="2"/>
             <a:r>
-              <a:rPr lang="en-US" smtClean="0"/>
+              <a:rPr lang="en-US"/>
               <a:t>Third level</a:t>
             </a:r>
           </a:p>
           <a:p>
             <a:pPr lvl="3"/>
             <a:r>
-              <a:rPr lang="en-US" smtClean="0"/>
+              <a:rPr lang="en-US"/>
               <a:t>Fourth level</a:t>
             </a:r>
           </a:p>
           <a:p>
             <a:pPr lvl="4"/>
             <a:r>
-              <a:rPr lang="en-US" smtClean="0"/>
+              <a:rPr lang="en-US"/>
               <a:t>Fifth level</a:t>
             </a:r>
             <a:endParaRPr lang="en-US" dirty="0"/>
@@ -2720,7 +2729,7 @@
           <a:lstStyle/>
           <a:p>
             <a:r>
-              <a:rPr lang="en-US" smtClean="0"/>
+              <a:rPr lang="en-US"/>
               <a:t>Click to edit Master title style</a:t>
             </a:r>
             <a:endParaRPr lang="en-US" dirty="0"/>
@@ -2749,35 +2758,35 @@
           <a:p>
             <a:pPr lvl="0"/>
             <a:r>
-              <a:rPr lang="en-US" smtClean="0"/>
+              <a:rPr lang="en-US"/>
               <a:t>Click to edit Master text styles</a:t>
             </a:r>
           </a:p>
           <a:p>
             <a:pPr lvl="1"/>
             <a:r>
-              <a:rPr lang="en-US" smtClean="0"/>
+              <a:rPr lang="en-US"/>
               <a:t>Second level</a:t>
             </a:r>
           </a:p>
           <a:p>
             <a:pPr lvl="2"/>
             <a:r>
-              <a:rPr lang="en-US" smtClean="0"/>
+              <a:rPr lang="en-US"/>
               <a:t>Third level</a:t>
             </a:r>
           </a:p>
           <a:p>
             <a:pPr lvl="3"/>
             <a:r>
-              <a:rPr lang="en-US" smtClean="0"/>
+              <a:rPr lang="en-US"/>
               <a:t>Fourth level</a:t>
             </a:r>
           </a:p>
           <a:p>
             <a:pPr lvl="4"/>
             <a:r>
-              <a:rPr lang="en-US" smtClean="0"/>
+              <a:rPr lang="en-US"/>
               <a:t>Fifth level</a:t>
             </a:r>
             <a:endParaRPr lang="en-US" dirty="0"/>
@@ -2901,7 +2910,7 @@
           </a:lstStyle>
           <a:p>
             <a:r>
-              <a:rPr lang="en-US" smtClean="0"/>
+              <a:rPr lang="en-US"/>
               <a:t>Click to edit Master title style</a:t>
             </a:r>
             <a:endParaRPr lang="en-US" dirty="0"/>
@@ -2925,35 +2934,35 @@
           <a:p>
             <a:pPr lvl="0"/>
             <a:r>
-              <a:rPr lang="en-US" smtClean="0"/>
+              <a:rPr lang="en-US"/>
               <a:t>Click to edit Master text styles</a:t>
             </a:r>
           </a:p>
           <a:p>
             <a:pPr lvl="1"/>
             <a:r>
-              <a:rPr lang="en-US" smtClean="0"/>
+              <a:rPr lang="en-US"/>
               <a:t>Second level</a:t>
             </a:r>
           </a:p>
           <a:p>
             <a:pPr lvl="2"/>
             <a:r>
-              <a:rPr lang="en-US" smtClean="0"/>
+              <a:rPr lang="en-US"/>
               <a:t>Third level</a:t>
             </a:r>
           </a:p>
           <a:p>
             <a:pPr lvl="3"/>
             <a:r>
-              <a:rPr lang="en-US" smtClean="0"/>
+              <a:rPr lang="en-US"/>
               <a:t>Fourth level</a:t>
             </a:r>
           </a:p>
           <a:p>
             <a:pPr lvl="4"/>
             <a:r>
-              <a:rPr lang="en-US" smtClean="0"/>
+              <a:rPr lang="en-US"/>
               <a:t>Fifth level</a:t>
             </a:r>
             <a:endParaRPr lang="en-US" dirty="0"/>
@@ -3080,7 +3089,7 @@
           </a:lstStyle>
           <a:p>
             <a:r>
-              <a:rPr lang="en-US" smtClean="0"/>
+              <a:rPr lang="en-US"/>
               <a:t>Click to edit Master title style</a:t>
             </a:r>
             <a:endParaRPr lang="en-US" dirty="0"/>
@@ -3201,7 +3210,7 @@
           <a:p>
             <a:pPr lvl="0"/>
             <a:r>
-              <a:rPr lang="en-US" smtClean="0"/>
+              <a:rPr lang="en-US"/>
               <a:t>Click to edit Master text styles</a:t>
             </a:r>
           </a:p>
@@ -3318,7 +3327,7 @@
           <a:lstStyle/>
           <a:p>
             <a:r>
-              <a:rPr lang="en-US" smtClean="0"/>
+              <a:rPr lang="en-US"/>
               <a:t>Click to edit Master title style</a:t>
             </a:r>
             <a:endParaRPr lang="en-US" dirty="0"/>
@@ -3347,35 +3356,35 @@
           <a:p>
             <a:pPr lvl="0"/>
             <a:r>
-              <a:rPr lang="en-US" smtClean="0"/>
+              <a:rPr lang="en-US"/>
               <a:t>Click to edit Master text styles</a:t>
             </a:r>
           </a:p>
           <a:p>
             <a:pPr lvl="1"/>
             <a:r>
-              <a:rPr lang="en-US" smtClean="0"/>
+              <a:rPr lang="en-US"/>
               <a:t>Second level</a:t>
             </a:r>
           </a:p>
           <a:p>
             <a:pPr lvl="2"/>
             <a:r>
-              <a:rPr lang="en-US" smtClean="0"/>
+              <a:rPr lang="en-US"/>
               <a:t>Third level</a:t>
             </a:r>
           </a:p>
           <a:p>
             <a:pPr lvl="3"/>
             <a:r>
-              <a:rPr lang="en-US" smtClean="0"/>
+              <a:rPr lang="en-US"/>
               <a:t>Fourth level</a:t>
             </a:r>
           </a:p>
           <a:p>
             <a:pPr lvl="4"/>
             <a:r>
-              <a:rPr lang="en-US" smtClean="0"/>
+              <a:rPr lang="en-US"/>
               <a:t>Fifth level</a:t>
             </a:r>
             <a:endParaRPr lang="en-US" dirty="0"/>
@@ -3404,35 +3413,35 @@
           <a:p>
             <a:pPr lvl="0"/>
             <a:r>
-              <a:rPr lang="en-US" smtClean="0"/>
+              <a:rPr lang="en-US"/>
               <a:t>Click to edit Master text styles</a:t>
             </a:r>
           </a:p>
           <a:p>
             <a:pPr lvl="1"/>
             <a:r>
-              <a:rPr lang="en-US" smtClean="0"/>
+              <a:rPr lang="en-US"/>
               <a:t>Second level</a:t>
             </a:r>
           </a:p>
           <a:p>
             <a:pPr lvl="2"/>
             <a:r>
-              <a:rPr lang="en-US" smtClean="0"/>
+              <a:rPr lang="en-US"/>
               <a:t>Third level</a:t>
             </a:r>
           </a:p>
           <a:p>
             <a:pPr lvl="3"/>
             <a:r>
-              <a:rPr lang="en-US" smtClean="0"/>
+              <a:rPr lang="en-US"/>
               <a:t>Fourth level</a:t>
             </a:r>
           </a:p>
           <a:p>
             <a:pPr lvl="4"/>
             <a:r>
-              <a:rPr lang="en-US" smtClean="0"/>
+              <a:rPr lang="en-US"/>
               <a:t>Fifth level</a:t>
             </a:r>
             <a:endParaRPr lang="en-US" dirty="0"/>
@@ -3554,7 +3563,7 @@
           </a:lstStyle>
           <a:p>
             <a:r>
-              <a:rPr lang="en-US" smtClean="0"/>
+              <a:rPr lang="en-US"/>
               <a:t>Click to edit Master title style</a:t>
             </a:r>
             <a:endParaRPr lang="en-US" dirty="0"/>
@@ -3622,7 +3631,7 @@
           <a:p>
             <a:pPr lvl="0"/>
             <a:r>
-              <a:rPr lang="en-US" smtClean="0"/>
+              <a:rPr lang="en-US"/>
               <a:t>Click to edit Master text styles</a:t>
             </a:r>
           </a:p>
@@ -3652,35 +3661,35 @@
           <a:p>
             <a:pPr lvl="0"/>
             <a:r>
-              <a:rPr lang="en-US" smtClean="0"/>
+              <a:rPr lang="en-US"/>
               <a:t>Click to edit Master text styles</a:t>
             </a:r>
           </a:p>
           <a:p>
             <a:pPr lvl="1"/>
             <a:r>
-              <a:rPr lang="en-US" smtClean="0"/>
+              <a:rPr lang="en-US"/>
               <a:t>Second level</a:t>
             </a:r>
           </a:p>
           <a:p>
             <a:pPr lvl="2"/>
             <a:r>
-              <a:rPr lang="en-US" smtClean="0"/>
+              <a:rPr lang="en-US"/>
               <a:t>Third level</a:t>
             </a:r>
           </a:p>
           <a:p>
             <a:pPr lvl="3"/>
             <a:r>
-              <a:rPr lang="en-US" smtClean="0"/>
+              <a:rPr lang="en-US"/>
               <a:t>Fourth level</a:t>
             </a:r>
           </a:p>
           <a:p>
             <a:pPr lvl="4"/>
             <a:r>
-              <a:rPr lang="en-US" smtClean="0"/>
+              <a:rPr lang="en-US"/>
               <a:t>Fifth level</a:t>
             </a:r>
             <a:endParaRPr lang="en-US" dirty="0"/>
@@ -3748,7 +3757,7 @@
           <a:p>
             <a:pPr lvl="0"/>
             <a:r>
-              <a:rPr lang="en-US" smtClean="0"/>
+              <a:rPr lang="en-US"/>
               <a:t>Click to edit Master text styles</a:t>
             </a:r>
           </a:p>
@@ -3778,35 +3787,35 @@
           <a:p>
             <a:pPr lvl="0"/>
             <a:r>
-              <a:rPr lang="en-US" smtClean="0"/>
+              <a:rPr lang="en-US"/>
               <a:t>Click to edit Master text styles</a:t>
             </a:r>
           </a:p>
           <a:p>
             <a:pPr lvl="1"/>
             <a:r>
-              <a:rPr lang="en-US" smtClean="0"/>
+              <a:rPr lang="en-US"/>
               <a:t>Second level</a:t>
             </a:r>
           </a:p>
           <a:p>
             <a:pPr lvl="2"/>
             <a:r>
-              <a:rPr lang="en-US" smtClean="0"/>
+              <a:rPr lang="en-US"/>
               <a:t>Third level</a:t>
             </a:r>
           </a:p>
           <a:p>
             <a:pPr lvl="3"/>
             <a:r>
-              <a:rPr lang="en-US" smtClean="0"/>
+              <a:rPr lang="en-US"/>
               <a:t>Fourth level</a:t>
             </a:r>
           </a:p>
           <a:p>
             <a:pPr lvl="4"/>
             <a:r>
-              <a:rPr lang="en-US" smtClean="0"/>
+              <a:rPr lang="en-US"/>
               <a:t>Fifth level</a:t>
             </a:r>
             <a:endParaRPr lang="en-US" dirty="0"/>
@@ -3929,7 +3938,7 @@
           <a:lstStyle/>
           <a:p>
             <a:r>
-              <a:rPr lang="en-US" smtClean="0"/>
+              <a:rPr lang="en-US"/>
               <a:t>Click to edit Master title style</a:t>
             </a:r>
             <a:endParaRPr lang="en-US" dirty="0"/>
@@ -4153,7 +4162,7 @@
           </a:lstStyle>
           <a:p>
             <a:r>
-              <a:rPr lang="en-US" smtClean="0"/>
+              <a:rPr lang="en-US"/>
               <a:t>Click to edit Master title style</a:t>
             </a:r>
             <a:endParaRPr lang="en-US" dirty="0"/>
@@ -4184,35 +4193,35 @@
           <a:p>
             <a:pPr lvl="0"/>
             <a:r>
-              <a:rPr lang="en-US" smtClean="0"/>
+              <a:rPr lang="en-US"/>
               <a:t>Click to edit Master text styles</a:t>
             </a:r>
           </a:p>
           <a:p>
             <a:pPr lvl="1"/>
             <a:r>
-              <a:rPr lang="en-US" smtClean="0"/>
+              <a:rPr lang="en-US"/>
               <a:t>Second level</a:t>
             </a:r>
           </a:p>
           <a:p>
             <a:pPr lvl="2"/>
             <a:r>
-              <a:rPr lang="en-US" smtClean="0"/>
+              <a:rPr lang="en-US"/>
               <a:t>Third level</a:t>
             </a:r>
           </a:p>
           <a:p>
             <a:pPr lvl="3"/>
             <a:r>
-              <a:rPr lang="en-US" smtClean="0"/>
+              <a:rPr lang="en-US"/>
               <a:t>Fourth level</a:t>
             </a:r>
           </a:p>
           <a:p>
             <a:pPr lvl="4"/>
             <a:r>
-              <a:rPr lang="en-US" smtClean="0"/>
+              <a:rPr lang="en-US"/>
               <a:t>Fifth level</a:t>
             </a:r>
             <a:endParaRPr lang="en-US" dirty="0"/>
@@ -4280,7 +4289,7 @@
           <a:p>
             <a:pPr lvl="0"/>
             <a:r>
-              <a:rPr lang="en-US" smtClean="0"/>
+              <a:rPr lang="en-US"/>
               <a:t>Click to edit Master text styles</a:t>
             </a:r>
           </a:p>
@@ -4408,7 +4417,7 @@
           </a:lstStyle>
           <a:p>
             <a:r>
-              <a:rPr lang="en-US" smtClean="0"/>
+              <a:rPr lang="en-US"/>
               <a:t>Click to edit Master title style</a:t>
             </a:r>
             <a:endParaRPr lang="en-US" dirty="0"/>
@@ -4475,7 +4484,7 @@
           </a:lstStyle>
           <a:p>
             <a:r>
-              <a:rPr lang="en-US" smtClean="0"/>
+              <a:rPr lang="en-US"/>
               <a:t>Click icon to add picture</a:t>
             </a:r>
             <a:endParaRPr lang="en-US" dirty="0"/>
@@ -4543,7 +4552,7 @@
           <a:p>
             <a:pPr lvl="0"/>
             <a:r>
-              <a:rPr lang="en-US" smtClean="0"/>
+              <a:rPr lang="en-US"/>
               <a:t>Click to edit Master text styles</a:t>
             </a:r>
           </a:p>
@@ -5205,7 +5214,7 @@
           <a:lstStyle/>
           <a:p>
             <a:r>
-              <a:rPr lang="en-US" smtClean="0"/>
+              <a:rPr lang="en-US"/>
               <a:t>Click to edit Master title style</a:t>
             </a:r>
             <a:endParaRPr lang="en-US" dirty="0"/>
@@ -5239,35 +5248,35 @@
           <a:p>
             <a:pPr lvl="0"/>
             <a:r>
-              <a:rPr lang="en-US" smtClean="0"/>
+              <a:rPr lang="en-US"/>
               <a:t>Click to edit Master text styles</a:t>
             </a:r>
           </a:p>
           <a:p>
             <a:pPr lvl="1"/>
             <a:r>
-              <a:rPr lang="en-US" smtClean="0"/>
+              <a:rPr lang="en-US"/>
               <a:t>Second level</a:t>
             </a:r>
           </a:p>
           <a:p>
             <a:pPr lvl="2"/>
             <a:r>
-              <a:rPr lang="en-US" smtClean="0"/>
+              <a:rPr lang="en-US"/>
               <a:t>Third level</a:t>
             </a:r>
           </a:p>
           <a:p>
             <a:pPr lvl="3"/>
             <a:r>
-              <a:rPr lang="en-US" smtClean="0"/>
+              <a:rPr lang="en-US"/>
               <a:t>Fourth level</a:t>
             </a:r>
           </a:p>
           <a:p>
             <a:pPr lvl="4"/>
             <a:r>
-              <a:rPr lang="en-US" smtClean="0"/>
+              <a:rPr lang="en-US"/>
               <a:t>Fifth level</a:t>
             </a:r>
             <a:endParaRPr lang="en-US" dirty="0"/>
@@ -5856,28 +5865,27 @@
           <a:lstStyle/>
           <a:p>
             <a:r>
-              <a:rPr lang="en-US" dirty="0" smtClean="0"/>
+              <a:rPr lang="en-US" dirty="0"/>
               <a:t>Mike Levey,</a:t>
             </a:r>
           </a:p>
           <a:p>
             <a:r>
-              <a:rPr lang="en-US" dirty="0" smtClean="0"/>
+              <a:rPr lang="en-US" dirty="0"/>
               <a:t>Johnathan Perrier,</a:t>
             </a:r>
           </a:p>
           <a:p>
             <a:r>
-              <a:rPr lang="en-US" dirty="0" smtClean="0"/>
+              <a:rPr lang="en-US" dirty="0"/>
               <a:t>Josh Spain</a:t>
             </a:r>
           </a:p>
           <a:p>
             <a:r>
-              <a:rPr lang="en-US" dirty="0" smtClean="0"/>
+              <a:rPr lang="en-US" dirty="0"/>
               <a:t>James Simson</a:t>
             </a:r>
-            <a:endParaRPr lang="en-US" dirty="0"/>
           </a:p>
         </p:txBody>
       </p:sp>
@@ -5934,7 +5942,7 @@
           <a:lstStyle/>
           <a:p>
             <a:r>
-              <a:rPr lang="en-US" sz="3600" dirty="0" smtClean="0">
+              <a:rPr lang="en-US" sz="3600" dirty="0">
                 <a:solidFill>
                   <a:schemeClr val="bg1"/>
                 </a:solidFill>
@@ -5942,12 +5950,6 @@
               </a:rPr>
               <a:t>… And Mike</a:t>
             </a:r>
-            <a:endParaRPr lang="en-US" sz="3600" dirty="0">
-              <a:solidFill>
-                <a:schemeClr val="bg1"/>
-              </a:solidFill>
-              <a:latin typeface="Algerian" panose="04020705040A02060702" pitchFamily="82" charset="0"/>
-            </a:endParaRPr>
           </a:p>
         </p:txBody>
       </p:sp>
@@ -5974,7 +5976,7 @@
           <a:lstStyle/>
           <a:p>
             <a:r>
-              <a:rPr lang="en-US" sz="3600" dirty="0" smtClean="0">
+              <a:rPr lang="en-US" sz="3600" dirty="0">
                 <a:solidFill>
                   <a:schemeClr val="bg1"/>
                 </a:solidFill>
@@ -5982,12 +5984,6 @@
               </a:rPr>
               <a:t>The</a:t>
             </a:r>
-            <a:endParaRPr lang="en-US" sz="3600" dirty="0">
-              <a:solidFill>
-                <a:schemeClr val="bg1"/>
-              </a:solidFill>
-              <a:latin typeface="Algerian" panose="04020705040A02060702" pitchFamily="82" charset="0"/>
-            </a:endParaRPr>
           </a:p>
         </p:txBody>
       </p:sp>
@@ -6152,10 +6148,9 @@
           <a:lstStyle/>
           <a:p>
             <a:r>
-              <a:rPr lang="en-US" dirty="0" smtClean="0"/>
+              <a:rPr lang="en-US" dirty="0"/>
               <a:t>Q &amp; A</a:t>
             </a:r>
-            <a:endParaRPr lang="en-US" dirty="0"/>
           </a:p>
         </p:txBody>
       </p:sp>
@@ -6223,13 +6218,6 @@
   <p:clrMapOvr>
     <a:masterClrMapping/>
   </p:clrMapOvr>
-  <p:timing>
-    <p:tnLst>
-      <p:par>
-        <p:cTn id="1" dur="indefinite" restart="never" nodeType="tmRoot"/>
-      </p:par>
-    </p:tnLst>
-  </p:timing>
 </p:sld>
 </file>
 
@@ -6266,10 +6254,9 @@
           <a:lstStyle/>
           <a:p>
             <a:r>
-              <a:rPr lang="en-US" dirty="0" smtClean="0"/>
+              <a:rPr lang="en-US" dirty="0"/>
               <a:t>Description of Product</a:t>
             </a:r>
-            <a:endParaRPr lang="en-US" dirty="0"/>
           </a:p>
         </p:txBody>
       </p:sp>
@@ -6294,24 +6281,33 @@
           <a:lstStyle/>
           <a:p>
             <a:r>
-              <a:rPr lang="en-US" dirty="0" smtClean="0"/>
-              <a:t>A website to share stats and strategies for the game called </a:t>
-            </a:r>
-            <a:r>
-              <a:rPr lang="en-US" dirty="0" err="1" smtClean="0"/>
+              <a:rPr lang="en-US" dirty="0"/>
+              <a:t>A website to share stats and strategies</a:t>
+            </a:r>
+          </a:p>
+          <a:p>
+            <a:r>
+              <a:rPr lang="en-US" dirty="0"/>
+              <a:t>We used the </a:t>
+            </a:r>
+            <a:r>
+              <a:rPr lang="en-US" dirty="0" err="1"/>
               <a:t>Dofus</a:t>
             </a:r>
-            <a:endParaRPr lang="en-US" dirty="0" smtClean="0"/>
-          </a:p>
-          <a:p>
-            <a:r>
-              <a:rPr lang="en-US" dirty="0" smtClean="0"/>
+            <a:r>
+              <a:rPr lang="en-US" dirty="0"/>
+              <a:t> as our test case</a:t>
+            </a:r>
+          </a:p>
+          <a:p>
+            <a:r>
+              <a:rPr lang="en-US" dirty="0"/>
               <a:t>Discuss anything related on the forum</a:t>
             </a:r>
           </a:p>
           <a:p>
             <a:r>
-              <a:rPr lang="en-US" dirty="0" smtClean="0"/>
+              <a:rPr lang="en-US" dirty="0"/>
               <a:t>Observe trends and make groups with other members</a:t>
             </a:r>
           </a:p>
@@ -6360,13 +6356,6 @@
   <p:clrMapOvr>
     <a:masterClrMapping/>
   </p:clrMapOvr>
-  <p:timing>
-    <p:tnLst>
-      <p:par>
-        <p:cTn id="1" dur="indefinite" restart="never" nodeType="tmRoot"/>
-      </p:par>
-    </p:tnLst>
-  </p:timing>
 </p:sld>
 </file>
 
@@ -6403,10 +6392,9 @@
           <a:lstStyle/>
           <a:p>
             <a:r>
-              <a:rPr lang="en-US" dirty="0" smtClean="0"/>
+              <a:rPr lang="en-US" dirty="0"/>
               <a:t>Requirements</a:t>
             </a:r>
-            <a:endParaRPr lang="en-US" dirty="0"/>
           </a:p>
         </p:txBody>
       </p:sp>
@@ -6431,29 +6419,29 @@
           <a:lstStyle/>
           <a:p>
             <a:r>
-              <a:rPr lang="en-US" dirty="0" smtClean="0"/>
+              <a:rPr lang="en-US" dirty="0"/>
               <a:t>Users be able to view player characters statistics from the game </a:t>
             </a:r>
             <a:r>
-              <a:rPr lang="en-US" dirty="0" err="1" smtClean="0"/>
+              <a:rPr lang="en-US" dirty="0" err="1"/>
               <a:t>Dofus</a:t>
             </a:r>
-            <a:endParaRPr lang="en-US" dirty="0" smtClean="0"/>
-          </a:p>
-          <a:p>
-            <a:r>
-              <a:rPr lang="en-US" dirty="0" smtClean="0"/>
+            <a:endParaRPr lang="en-US" dirty="0"/>
+          </a:p>
+          <a:p>
+            <a:r>
+              <a:rPr lang="en-US" dirty="0"/>
               <a:t>Users can create their own account to post stats and discuss things on the forum</a:t>
             </a:r>
           </a:p>
           <a:p>
             <a:r>
-              <a:rPr lang="en-US" dirty="0" smtClean="0"/>
+              <a:rPr lang="en-US" dirty="0"/>
               <a:t>Relatively easily navigable website</a:t>
             </a:r>
           </a:p>
           <a:p>
-            <a:endParaRPr lang="en-US" dirty="0" smtClean="0"/>
+            <a:endParaRPr lang="en-US" dirty="0"/>
           </a:p>
         </p:txBody>
       </p:sp>
@@ -6497,13 +6485,6 @@
   <p:clrMapOvr>
     <a:masterClrMapping/>
   </p:clrMapOvr>
-  <p:timing>
-    <p:tnLst>
-      <p:par>
-        <p:cTn id="1" dur="indefinite" restart="never" nodeType="tmRoot"/>
-      </p:par>
-    </p:tnLst>
-  </p:timing>
 </p:sld>
 </file>
 
@@ -6545,10 +6526,9 @@
           <a:lstStyle/>
           <a:p>
             <a:r>
-              <a:rPr lang="en-US" dirty="0" smtClean="0"/>
+              <a:rPr lang="en-US" dirty="0"/>
               <a:t>Analysis Models</a:t>
             </a:r>
-            <a:endParaRPr lang="en-US" dirty="0"/>
           </a:p>
         </p:txBody>
       </p:sp>
@@ -6575,13 +6555,13 @@
           <a:lstStyle/>
           <a:p>
             <a:r>
-              <a:rPr lang="en-US" dirty="0" smtClean="0"/>
+              <a:rPr lang="en-US" dirty="0"/>
               <a:t>CPM Chart</a:t>
             </a:r>
           </a:p>
           <a:p>
             <a:r>
-              <a:rPr lang="en-US" dirty="0" smtClean="0"/>
+              <a:rPr lang="en-US" dirty="0"/>
               <a:t>GANNT Chart</a:t>
             </a:r>
           </a:p>
@@ -6590,74 +6570,60 @@
               <a:rPr lang="en-US" dirty="0"/>
               <a:t>T1- Web Design/Plan</a:t>
             </a:r>
-            <a:endParaRPr lang="en-US" dirty="0"/>
           </a:p>
           <a:p>
             <a:r>
               <a:rPr lang="en-US" dirty="0"/>
               <a:t>T2- Art</a:t>
             </a:r>
-            <a:endParaRPr lang="en-US" dirty="0"/>
           </a:p>
           <a:p>
             <a:r>
               <a:rPr lang="en-US" dirty="0"/>
               <a:t>T3- Implement Website</a:t>
             </a:r>
-            <a:endParaRPr lang="en-US" dirty="0"/>
           </a:p>
           <a:p>
             <a:r>
               <a:rPr lang="en-US" dirty="0"/>
               <a:t>T4- Design Stats Database</a:t>
             </a:r>
-            <a:endParaRPr lang="en-US" dirty="0"/>
           </a:p>
           <a:p>
             <a:r>
               <a:rPr lang="en-US" dirty="0"/>
               <a:t>T5- Design User Database</a:t>
             </a:r>
-            <a:endParaRPr lang="en-US" dirty="0"/>
           </a:p>
           <a:p>
             <a:r>
               <a:rPr lang="en-US" dirty="0"/>
               <a:t>T6- Implement Stats Database</a:t>
             </a:r>
-            <a:endParaRPr lang="en-US" dirty="0"/>
           </a:p>
           <a:p>
             <a:r>
               <a:rPr lang="en-US" dirty="0"/>
               <a:t>T7- Implement User Database</a:t>
             </a:r>
-            <a:endParaRPr lang="en-US" dirty="0"/>
           </a:p>
           <a:p>
             <a:r>
               <a:rPr lang="en-US" dirty="0"/>
               <a:t>T8- Populate Stats Database</a:t>
             </a:r>
-            <a:endParaRPr lang="en-US" dirty="0"/>
           </a:p>
           <a:p>
             <a:r>
               <a:rPr lang="en-US" dirty="0"/>
               <a:t>T9- Populate User Accounts</a:t>
             </a:r>
-            <a:endParaRPr lang="en-US" dirty="0"/>
           </a:p>
           <a:p>
             <a:r>
               <a:rPr lang="en-US" dirty="0"/>
-              <a:t>T10- </a:t>
-            </a:r>
-            <a:r>
-              <a:rPr lang="en-US" dirty="0" smtClean="0"/>
-              <a:t>Testing</a:t>
-            </a:r>
-            <a:endParaRPr lang="en-US" dirty="0"/>
+              <a:t>T10- Testing</a:t>
+            </a:r>
           </a:p>
         </p:txBody>
       </p:sp>
@@ -6731,13 +6697,6 @@
   <p:clrMapOvr>
     <a:masterClrMapping/>
   </p:clrMapOvr>
-  <p:timing>
-    <p:tnLst>
-      <p:par>
-        <p:cTn id="1" dur="indefinite" restart="never" nodeType="tmRoot"/>
-      </p:par>
-    </p:tnLst>
-  </p:timing>
 </p:sld>
 </file>
 
@@ -6779,10 +6738,9 @@
           <a:lstStyle/>
           <a:p>
             <a:r>
-              <a:rPr lang="en-US" dirty="0" smtClean="0"/>
+              <a:rPr lang="en-US" dirty="0"/>
               <a:t>Analysis Models cont.</a:t>
             </a:r>
-            <a:endParaRPr lang="en-US" dirty="0"/>
           </a:p>
         </p:txBody>
       </p:sp>
@@ -6809,10 +6767,9 @@
           <a:lstStyle/>
           <a:p>
             <a:r>
-              <a:rPr lang="en-US" dirty="0" smtClean="0"/>
+              <a:rPr lang="en-US" dirty="0"/>
               <a:t>Data Flow Diagram</a:t>
             </a:r>
-            <a:endParaRPr lang="en-US" dirty="0"/>
           </a:p>
         </p:txBody>
       </p:sp>
@@ -6856,13 +6813,6 @@
   <p:clrMapOvr>
     <a:masterClrMapping/>
   </p:clrMapOvr>
-  <p:timing>
-    <p:tnLst>
-      <p:par>
-        <p:cTn id="1" dur="indefinite" restart="never" nodeType="tmRoot"/>
-      </p:par>
-    </p:tnLst>
-  </p:timing>
 </p:sld>
 </file>
 
@@ -6899,10 +6849,9 @@
           <a:lstStyle/>
           <a:p>
             <a:r>
-              <a:rPr lang="en-US" dirty="0" smtClean="0"/>
+              <a:rPr lang="en-US" dirty="0"/>
               <a:t>High Level Abstraction</a:t>
             </a:r>
-            <a:endParaRPr lang="en-US" dirty="0"/>
           </a:p>
         </p:txBody>
       </p:sp>
@@ -6927,25 +6876,25 @@
           <a:lstStyle/>
           <a:p>
             <a:r>
-              <a:rPr lang="en-US" dirty="0" smtClean="0"/>
+              <a:rPr lang="en-US" dirty="0"/>
               <a:t>Database Centric: All data will be added to database and called from the database when we need it</a:t>
             </a:r>
           </a:p>
           <a:p>
             <a:r>
-              <a:rPr lang="en-US" dirty="0" smtClean="0"/>
+              <a:rPr lang="en-US" dirty="0"/>
               <a:t>Game Stats Database</a:t>
             </a:r>
           </a:p>
           <a:p>
             <a:r>
-              <a:rPr lang="en-US" dirty="0" smtClean="0"/>
+              <a:rPr lang="en-US" dirty="0"/>
               <a:t>User Information Database</a:t>
             </a:r>
           </a:p>
           <a:p>
             <a:r>
-              <a:rPr lang="en-US" dirty="0" smtClean="0"/>
+              <a:rPr lang="en-US" dirty="0"/>
               <a:t>Forum Database</a:t>
             </a:r>
           </a:p>
@@ -6991,13 +6940,6 @@
   <p:clrMapOvr>
     <a:masterClrMapping/>
   </p:clrMapOvr>
-  <p:timing>
-    <p:tnLst>
-      <p:par>
-        <p:cTn id="1" dur="indefinite" restart="never" nodeType="tmRoot"/>
-      </p:par>
-    </p:tnLst>
-  </p:timing>
 </p:sld>
 </file>
 
@@ -7039,10 +6981,9 @@
           <a:lstStyle/>
           <a:p>
             <a:r>
-              <a:rPr lang="en-US" dirty="0" smtClean="0"/>
+              <a:rPr lang="en-US" dirty="0"/>
               <a:t>Low Level Abstraction</a:t>
             </a:r>
-            <a:endParaRPr lang="en-US" dirty="0"/>
           </a:p>
         </p:txBody>
       </p:sp>
@@ -7110,13 +7051,6 @@
   <p:clrMapOvr>
     <a:masterClrMapping/>
   </p:clrMapOvr>
-  <p:timing>
-    <p:tnLst>
-      <p:par>
-        <p:cTn id="1" dur="indefinite" restart="never" nodeType="tmRoot"/>
-      </p:par>
-    </p:tnLst>
-  </p:timing>
 </p:sld>
 </file>
 
@@ -7153,10 +7087,9 @@
           <a:lstStyle/>
           <a:p>
             <a:r>
-              <a:rPr lang="en-US" dirty="0" smtClean="0"/>
+              <a:rPr lang="en-US" dirty="0"/>
               <a:t>Here’s the Demo</a:t>
             </a:r>
-            <a:endParaRPr lang="en-US" dirty="0"/>
           </a:p>
         </p:txBody>
       </p:sp>
@@ -7181,7 +7114,7 @@
           <a:lstStyle/>
           <a:p>
             <a:r>
-              <a:rPr lang="en-US" dirty="0" smtClean="0"/>
+              <a:rPr lang="en-US" dirty="0"/>
               <a:t>Click this link to go to our website:</a:t>
             </a:r>
           </a:p>
@@ -7190,15 +7123,9 @@
               <a:rPr lang="en-US" dirty="0">
                 <a:hlinkClick r:id="rId2"/>
               </a:rPr>
-              <a:t>http://satoshi.cis.uncw.edu/~</a:t>
-            </a:r>
-            <a:r>
-              <a:rPr lang="en-US" dirty="0" smtClean="0">
-                <a:hlinkClick r:id="rId2"/>
-              </a:rPr>
-              <a:t>jap4983/DofuStats/index.php</a:t>
-            </a:r>
-            <a:endParaRPr lang="en-US" dirty="0" smtClean="0"/>
+              <a:t>http://satoshi.cis.uncw.edu/~jap4983/DofuStats/index.php</a:t>
+            </a:r>
+            <a:endParaRPr lang="en-US" dirty="0"/>
           </a:p>
         </p:txBody>
       </p:sp>
@@ -7212,13 +7139,6 @@
   <p:clrMapOvr>
     <a:masterClrMapping/>
   </p:clrMapOvr>
-  <p:timing>
-    <p:tnLst>
-      <p:par>
-        <p:cTn id="1" dur="indefinite" restart="never" nodeType="tmRoot"/>
-      </p:par>
-    </p:tnLst>
-  </p:timing>
 </p:sld>
 </file>
 
@@ -7255,10 +7175,9 @@
           <a:lstStyle/>
           <a:p>
             <a:r>
-              <a:rPr lang="en-US" dirty="0" smtClean="0"/>
+              <a:rPr lang="en-US" dirty="0"/>
               <a:t>Problems and/or Challenges</a:t>
             </a:r>
-            <a:endParaRPr lang="en-US" dirty="0"/>
           </a:p>
         </p:txBody>
       </p:sp>
@@ -7283,19 +7202,19 @@
           <a:lstStyle/>
           <a:p>
             <a:r>
-              <a:rPr lang="en-US" dirty="0" smtClean="0"/>
+              <a:rPr lang="en-US" dirty="0"/>
               <a:t>Finding time(s) for our team to meet up</a:t>
             </a:r>
           </a:p>
           <a:p>
             <a:r>
-              <a:rPr lang="en-US" dirty="0" smtClean="0"/>
+              <a:rPr lang="en-US" dirty="0"/>
               <a:t>Learning HTML/PHP</a:t>
             </a:r>
           </a:p>
           <a:p>
             <a:r>
-              <a:rPr lang="en-US" dirty="0" smtClean="0"/>
+              <a:rPr lang="en-US" dirty="0"/>
               <a:t>Getting in touch with each other</a:t>
             </a:r>
           </a:p>

--- a/Presentation for 450.pptx
+++ b/Presentation for 450.pptx
@@ -7113,18 +7113,9 @@
           <a:bodyPr/>
           <a:lstStyle/>
           <a:p>
-            <a:r>
-              <a:rPr lang="en-US" dirty="0"/>
-              <a:t>Click this link to go to our website:</a:t>
-            </a:r>
-          </a:p>
-          <a:p>
-            <a:r>
-              <a:rPr lang="en-US" dirty="0">
-                <a:hlinkClick r:id="rId2"/>
-              </a:rPr>
-              <a:t>http://satoshi.cis.uncw.edu/~jap4983/DofuStats/index.php</a:t>
-            </a:r>
+            <a:pPr marL="0" indent="0">
+              <a:buNone/>
+            </a:pPr>
             <a:endParaRPr lang="en-US" dirty="0"/>
           </a:p>
         </p:txBody>

--- a/Presentation for 450.pptx
+++ b/Presentation for 450.pptx
@@ -7200,8 +7200,13 @@
           <a:p>
             <a:r>
               <a:rPr lang="en-US" dirty="0"/>
-              <a:t>Learning HTML/PHP</a:t>
-            </a:r>
+              <a:t>Some of the group weren’t </a:t>
+            </a:r>
+            <a:r>
+              <a:rPr lang="en-US"/>
+              <a:t>familiar with PHP</a:t>
+            </a:r>
+            <a:endParaRPr lang="en-US" dirty="0"/>
           </a:p>
           <a:p>
             <a:r>
